--- a/2023-2024/cours 3/fait en cours/complexités.pptx
+++ b/2023-2024/cours 3/fait en cours/complexités.pptx
@@ -3098,7 +3098,7 @@
         <p:spPr>
           <a:xfrm>
             <a:off x="314280" y="4535640"/>
-            <a:ext cx="271080" cy="330840"/>
+            <a:ext cx="270720" cy="330480"/>
           </a:xfrm>
           <a:prstGeom prst="rect">
             <a:avLst/>
@@ -3128,7 +3128,7 @@
               </a:spcAft>
               <a:buNone/>
             </a:pPr>
-            <a:fld id="{0EE63B06-8249-4762-B05F-C5A46191B9FE}" type="slidenum">
+            <a:fld id="{287AF820-0E1C-4672-9985-6ABC52BBFC8A}" type="slidenum">
               <a:rPr b="0" lang="fr-FR" sz="800" spc="-1" strike="noStrike">
                 <a:solidFill>
                   <a:srgbClr val="000000"/>
@@ -3136,7 +3136,7 @@
                 <a:latin typeface="Helvetica 75 Bold"/>
                 <a:ea typeface="DejaVu Sans"/>
               </a:rPr>
-              <a:t>2</a:t>
+              <a:t>&lt;number&gt;</a:t>
             </a:fld>
             <a:endParaRPr b="0" lang="fr-FR" sz="800" spc="-1" strike="noStrike">
               <a:latin typeface="Arial"/>
@@ -3153,7 +3153,7 @@
         <p:spPr>
           <a:xfrm>
             <a:off x="619560" y="4749120"/>
-            <a:ext cx="360" cy="119160"/>
+            <a:ext cx="360" cy="118800"/>
           </a:xfrm>
           <a:prstGeom prst="rect">
             <a:avLst/>
@@ -3205,13 +3205,7 @@
               <a:rPr b="0" lang="fr-FR" sz="4400" spc="-1" strike="noStrike">
                 <a:latin typeface="Arial"/>
               </a:rPr>
-              <a:t>Click to edit the </a:t>
-            </a:r>
-            <a:r>
-              <a:rPr b="0" lang="fr-FR" sz="4400" spc="-1" strike="noStrike">
-                <a:latin typeface="Arial"/>
-              </a:rPr>
-              <a:t>title text format</a:t>
+              <a:t>Click to edit the title text format</a:t>
             </a:r>
             <a:endParaRPr b="0" lang="fr-FR" sz="4400" spc="-1" strike="noStrike">
               <a:latin typeface="Arial"/>
@@ -3455,7 +3449,7 @@
         <p:spPr>
           <a:xfrm>
             <a:off x="314280" y="4535640"/>
-            <a:ext cx="271080" cy="330840"/>
+            <a:ext cx="270720" cy="330480"/>
           </a:xfrm>
           <a:prstGeom prst="rect">
             <a:avLst/>
@@ -3485,7 +3479,7 @@
               </a:spcAft>
               <a:buNone/>
             </a:pPr>
-            <a:fld id="{C19E62A0-0FB4-48A9-A0EC-CB6D95396949}" type="slidenum">
+            <a:fld id="{539774E0-FEA4-4010-B3A4-A5E2838895B8}" type="slidenum">
               <a:rPr b="0" lang="fr-FR" sz="800" spc="-1" strike="noStrike">
                 <a:solidFill>
                   <a:srgbClr val="000000"/>
@@ -3510,7 +3504,7 @@
         <p:spPr>
           <a:xfrm>
             <a:off x="619560" y="4749120"/>
-            <a:ext cx="360" cy="119160"/>
+            <a:ext cx="360" cy="118800"/>
           </a:xfrm>
           <a:prstGeom prst="rect">
             <a:avLst/>
@@ -3562,13 +3556,7 @@
               <a:rPr b="0" lang="fr-FR" sz="4400" spc="-1" strike="noStrike">
                 <a:latin typeface="Arial"/>
               </a:rPr>
-              <a:t>Click to edit the </a:t>
-            </a:r>
-            <a:r>
-              <a:rPr b="0" lang="fr-FR" sz="4400" spc="-1" strike="noStrike">
-                <a:latin typeface="Arial"/>
-              </a:rPr>
-              <a:t>title text format</a:t>
+              <a:t>Click to edit the title text format</a:t>
             </a:r>
             <a:endParaRPr b="0" lang="fr-FR" sz="4400" spc="-1" strike="noStrike">
               <a:latin typeface="Arial"/>
@@ -3805,7 +3793,7 @@
         <p:spPr>
           <a:xfrm>
             <a:off x="314280" y="1184400"/>
-            <a:ext cx="8511480" cy="3361680"/>
+            <a:ext cx="8511120" cy="3361320"/>
           </a:xfrm>
           <a:prstGeom prst="rect">
             <a:avLst/>
@@ -3912,7 +3900,7 @@
         <p:spPr>
           <a:xfrm>
             <a:off x="314280" y="267480"/>
-            <a:ext cx="8511480" cy="739800"/>
+            <a:ext cx="8511120" cy="739440"/>
           </a:xfrm>
           <a:prstGeom prst="rect">
             <a:avLst/>
@@ -3963,7 +3951,7 @@
         </p:nvGraphicFramePr>
         <p:xfrm>
           <a:off x="508320" y="657360"/>
-          <a:ext cx="7031160" cy="3707640"/>
+          <a:ext cx="7031160" cy="3336840"/>
         </p:xfrm>
         <a:graphic>
           <a:graphicData uri="http://schemas.openxmlformats.org/drawingml/2006/table">
@@ -3974,7 +3962,7 @@
                 <a:gridCol w="1595520"/>
                 <a:gridCol w="1190160"/>
               </a:tblGrid>
-              <a:tr h="370800">
+              <a:tr h="603720">
                 <a:tc>
                   <a:tcPr anchor="t" marL="91440" marR="91440">
                     <a:lnL w="12240">
@@ -4191,7 +4179,7 @@
                           </a:solidFill>
                           <a:latin typeface="Arial"/>
                         </a:rPr>
-                        <a:t>O()</a:t>
+                        <a:t>O(1)</a:t>
                       </a:r>
                       <a:endParaRPr b="0" lang="fr-FR" sz="1500" spc="-1" strike="noStrike">
                         <a:latin typeface="Arial"/>
@@ -4243,7 +4231,7 @@
                           </a:solidFill>
                           <a:latin typeface="Arial"/>
                         </a:rPr>
-                        <a:t>O()</a:t>
+                        <a:t>O(n)</a:t>
                       </a:r>
                       <a:endParaRPr b="0" lang="fr-FR" sz="1500" spc="-1" strike="noStrike">
                         <a:latin typeface="Arial"/>
@@ -4349,7 +4337,7 @@
                           </a:solidFill>
                           <a:latin typeface="Arial"/>
                         </a:rPr>
-                        <a:t>O()</a:t>
+                        <a:t>O(1)</a:t>
                       </a:r>
                       <a:endParaRPr b="0" lang="fr-FR" sz="1500" spc="-1" strike="noStrike">
                         <a:latin typeface="Arial"/>
@@ -4507,7 +4495,7 @@
                           </a:solidFill>
                           <a:latin typeface="Arial"/>
                         </a:rPr>
-                        <a:t>O()</a:t>
+                        <a:t>O(n)</a:t>
                       </a:r>
                       <a:endParaRPr b="0" lang="fr-FR" sz="1500" spc="-1" strike="noStrike">
                         <a:latin typeface="Arial"/>
@@ -4668,7 +4656,7 @@
                           </a:solidFill>
                           <a:latin typeface="Arial"/>
                         </a:rPr>
-                        <a:t>O()</a:t>
+                        <a:t>O(n)</a:t>
                       </a:r>
                       <a:endParaRPr b="0" lang="fr-FR" sz="1500" spc="-1" strike="noStrike">
                         <a:latin typeface="Arial"/>
@@ -4821,7 +4809,7 @@
                         <a:rPr b="0" lang="fr-FR" sz="1500" spc="-1" strike="noStrike">
                           <a:latin typeface="Times New Roman"/>
                         </a:rPr>
-                        <a:t>O()</a:t>
+                        <a:t>O(n)</a:t>
                       </a:r>
                       <a:endParaRPr b="0" lang="fr-FR" sz="1500" spc="-1" strike="noStrike">
                         <a:latin typeface="Arial"/>
@@ -4975,7 +4963,7 @@
                           </a:solidFill>
                           <a:latin typeface="Arial"/>
                         </a:rPr>
-                        <a:t>O()</a:t>
+                        <a:t>O(n)</a:t>
                       </a:r>
                       <a:endParaRPr b="0" lang="fr-FR" sz="1500" spc="-1" strike="noStrike">
                         <a:latin typeface="Arial"/>
@@ -5131,7 +5119,7 @@
                           </a:solidFill>
                           <a:latin typeface="Arial"/>
                         </a:rPr>
-                        <a:t>O()</a:t>
+                        <a:t>O(1)</a:t>
                       </a:r>
                       <a:endParaRPr b="0" lang="fr-FR" sz="1500" spc="-1" strike="noStrike">
                         <a:latin typeface="Arial"/>
@@ -5285,7 +5273,7 @@
                           </a:solidFill>
                           <a:latin typeface="Arial"/>
                         </a:rPr>
-                        <a:t>O()</a:t>
+                        <a:t>O(n)</a:t>
                       </a:r>
                       <a:endParaRPr b="0" lang="fr-FR" sz="1500" spc="-1" strike="noStrike">
                         <a:latin typeface="Arial"/>
@@ -5371,7 +5359,7 @@
                   </a:tcPr>
                 </a:tc>
               </a:tr>
-              <a:tr h="0">
+              <a:tr h="303480">
                 <a:tc>
                   <a:txBody>
                     <a:bodyPr anchor="t">
@@ -5394,11 +5382,59 @@
                         <a:t>Rechercher dans une liste triée (dichotomie)</a:t>
                       </a:r>
                       <a:endParaRPr b="0" lang="fr-FR" sz="1500" spc="-1" strike="noStrike">
-                        <a:solidFill>
-                          <a:srgbClr val="000000"/>
-                        </a:solidFill>
                         <a:latin typeface="Arial"/>
-                        <a:ea typeface="Noto Sans CJK SC"/>
+                      </a:endParaRPr>
+                    </a:p>
+                  </a:txBody>
+                  <a:tcPr anchor="t" marL="91440" marR="91440">
+                    <a:lnL w="12240">
+                      <a:solidFill>
+                        <a:srgbClr val="ffffff"/>
+                      </a:solidFill>
+                    </a:lnL>
+                    <a:lnR w="12240">
+                      <a:solidFill>
+                        <a:srgbClr val="ffffff"/>
+                      </a:solidFill>
+                    </a:lnR>
+                    <a:lnT w="12240">
+                      <a:solidFill>
+                        <a:srgbClr val="ffffff"/>
+                      </a:solidFill>
+                    </a:lnT>
+                    <a:lnB w="12240">
+                      <a:solidFill>
+                        <a:srgbClr val="ffffff"/>
+                      </a:solidFill>
+                    </a:lnB>
+                    <a:solidFill>
+                      <a:srgbClr val="ffebe7"/>
+                    </a:solidFill>
+                  </a:tcPr>
+                </a:tc>
+                <a:tc>
+                  <a:txBody>
+                    <a:bodyPr anchor="t">
+                      <a:noAutofit/>
+                    </a:bodyPr>
+                    <a:p>
+                      <a:pPr>
+                        <a:lnSpc>
+                          <a:spcPct val="100000"/>
+                        </a:lnSpc>
+                        <a:buNone/>
+                      </a:pPr>
+                      <a:r>
+                        <a:rPr b="0" lang="fr-FR" sz="1500" spc="-1" strike="noStrike">
+                          <a:solidFill>
+                            <a:srgbClr val="000000"/>
+                          </a:solidFill>
+                          <a:latin typeface="Arial"/>
+                        </a:rPr>
+                        <a:t>O(log(n))</a:t>
+                      </a:r>
+                      <a:endParaRPr b="0" lang="fr-FR" sz="1500" spc="-1" strike="noStrike">
+                        <a:latin typeface="Arial"/>
                       </a:endParaRPr>
                     </a:p>
                   </a:txBody>
@@ -5450,59 +5486,7 @@
                         <a:t>O()</a:t>
                       </a:r>
                       <a:endParaRPr b="0" lang="fr-FR" sz="1500" spc="-1" strike="noStrike">
-                        <a:latin typeface="Times New Roman"/>
-                      </a:endParaRPr>
-                    </a:p>
-                  </a:txBody>
-                  <a:tcPr anchor="t" marL="91440" marR="91440">
-                    <a:lnL w="12240">
-                      <a:solidFill>
-                        <a:srgbClr val="ffffff"/>
-                      </a:solidFill>
-                    </a:lnL>
-                    <a:lnR w="12240">
-                      <a:solidFill>
-                        <a:srgbClr val="ffffff"/>
-                      </a:solidFill>
-                    </a:lnR>
-                    <a:lnT w="12240">
-                      <a:solidFill>
-                        <a:srgbClr val="ffffff"/>
-                      </a:solidFill>
-                    </a:lnT>
-                    <a:lnB w="12240">
-                      <a:solidFill>
-                        <a:srgbClr val="ffffff"/>
-                      </a:solidFill>
-                    </a:lnB>
-                    <a:solidFill>
-                      <a:srgbClr val="ffebe7"/>
-                    </a:solidFill>
-                  </a:tcPr>
-                </a:tc>
-                <a:tc>
-                  <a:txBody>
-                    <a:bodyPr anchor="t">
-                      <a:noAutofit/>
-                    </a:bodyPr>
-                    <a:p>
-                      <a:pPr>
-                        <a:lnSpc>
-                          <a:spcPct val="100000"/>
-                        </a:lnSpc>
-                        <a:buNone/>
-                      </a:pPr>
-                      <a:r>
-                        <a:rPr b="0" lang="fr-FR" sz="1500" spc="-1" strike="noStrike">
-                          <a:solidFill>
-                            <a:srgbClr val="000000"/>
-                          </a:solidFill>
-                          <a:latin typeface="Arial"/>
-                        </a:rPr>
-                        <a:t>O()</a:t>
-                      </a:r>
-                      <a:endParaRPr b="0" lang="fr-FR" sz="1500" spc="-1" strike="noStrike">
-                        <a:latin typeface="Times New Roman"/>
+                        <a:latin typeface="Arial"/>
                       </a:endParaRPr>
                     </a:p>
                   </a:txBody>
@@ -5533,7 +5517,7 @@
                   </a:tcPr>
                 </a:tc>
               </a:tr>
-              <a:tr h="0">
+              <a:tr h="303480">
                 <a:tc>
                   <a:txBody>
                     <a:bodyPr anchor="t">
@@ -5602,7 +5586,7 @@
                         <a:rPr b="0" lang="fr-FR" sz="1500" spc="-1" strike="noStrike">
                           <a:latin typeface="Arial"/>
                         </a:rPr>
-                        <a:t>O()</a:t>
+                        <a:t>O(1)</a:t>
                       </a:r>
                       <a:endParaRPr b="0" lang="fr-FR" sz="1500" spc="-1" strike="noStrike">
                         <a:latin typeface="Arial"/>
@@ -5723,7 +5707,7 @@
         <p:spPr>
           <a:xfrm>
             <a:off x="314280" y="1184400"/>
-            <a:ext cx="8511480" cy="3361680"/>
+            <a:ext cx="8511120" cy="3361320"/>
           </a:xfrm>
           <a:prstGeom prst="rect">
             <a:avLst/>
@@ -5830,7 +5814,7 @@
         <p:spPr>
           <a:xfrm>
             <a:off x="314280" y="267480"/>
-            <a:ext cx="8511480" cy="739800"/>
+            <a:ext cx="8511120" cy="739440"/>
           </a:xfrm>
           <a:prstGeom prst="rect">
             <a:avLst/>
@@ -6044,16 +6028,7 @@
                           </a:solidFill>
                           <a:latin typeface="Arial"/>
                         </a:rPr>
-                        <a:t>O(</a:t>
-                      </a:r>
-                      <a:r>
-                        <a:rPr b="0" lang="fr-FR" sz="1800" spc="-1" strike="noStrike">
-                          <a:solidFill>
-                            <a:srgbClr val="000000"/>
-                          </a:solidFill>
-                          <a:latin typeface="Arial"/>
-                        </a:rPr>
-                        <a:t>)</a:t>
+                        <a:t>O(n2)</a:t>
                       </a:r>
                       <a:endParaRPr b="0" lang="fr-FR" sz="1800" spc="-1" strike="noStrike">
                         <a:latin typeface="Arial"/>
@@ -6159,16 +6134,7 @@
                           </a:solidFill>
                           <a:latin typeface="Arial"/>
                         </a:rPr>
-                        <a:t>O(</a:t>
-                      </a:r>
-                      <a:r>
-                        <a:rPr b="0" lang="fr-FR" sz="1800" spc="-1" strike="noStrike">
-                          <a:solidFill>
-                            <a:srgbClr val="000000"/>
-                          </a:solidFill>
-                          <a:latin typeface="Arial"/>
-                        </a:rPr>
-                        <a:t>)</a:t>
+                        <a:t>O(n2)</a:t>
                       </a:r>
                       <a:endParaRPr b="0" lang="fr-FR" sz="1800" spc="-1" strike="noStrike">
                         <a:latin typeface="Arial"/>
@@ -6277,7 +6243,7 @@
                           </a:solidFill>
                           <a:latin typeface="Arial"/>
                         </a:rPr>
-                        <a:t>O()</a:t>
+                        <a:t>O(nlog(n))</a:t>
                       </a:r>
                       <a:endParaRPr b="0" lang="fr-FR" sz="1800" spc="-1" strike="noStrike">
                         <a:latin typeface="Arial"/>
@@ -6349,7 +6315,7 @@
         <p:spPr>
           <a:xfrm>
             <a:off x="1152000" y="1634400"/>
-            <a:ext cx="8511480" cy="739800"/>
+            <a:ext cx="8511120" cy="739440"/>
           </a:xfrm>
           <a:prstGeom prst="rect">
             <a:avLst/>
@@ -6426,7 +6392,7 @@
         <p:spPr>
           <a:xfrm>
             <a:off x="314280" y="267480"/>
-            <a:ext cx="8511480" cy="739800"/>
+            <a:ext cx="8511120" cy="739440"/>
           </a:xfrm>
           <a:prstGeom prst="rect">
             <a:avLst/>
@@ -6482,7 +6448,7 @@
         <p:spPr>
           <a:xfrm>
             <a:off x="395640" y="843480"/>
-            <a:ext cx="8033400" cy="3327120"/>
+            <a:ext cx="8033040" cy="3326760"/>
           </a:xfrm>
           <a:prstGeom prst="rect">
             <a:avLst/>
@@ -6526,7 +6492,7 @@
         <p:spPr>
           <a:xfrm>
             <a:off x="314280" y="267480"/>
-            <a:ext cx="8511480" cy="739800"/>
+            <a:ext cx="8511120" cy="739440"/>
           </a:xfrm>
           <a:prstGeom prst="rect">
             <a:avLst/>
@@ -6582,7 +6548,7 @@
         <p:spPr>
           <a:xfrm>
             <a:off x="683640" y="1203480"/>
-            <a:ext cx="6229080" cy="3502080"/>
+            <a:ext cx="6228720" cy="3501720"/>
           </a:xfrm>
           <a:prstGeom prst="rect">
             <a:avLst/>
